--- a/PLPTH813Bioinformatis/2025/2_lab/lab08_variants.pptx
+++ b/PLPTH813Bioinformatis/2025/2_lab/lab08_variants.pptx
@@ -226,7 +226,7 @@
           <a:p>
             <a:fld id="{08E6E0A8-E17C-C949-B17E-7A1A6494483A}" type="datetimeFigureOut">
               <a:rPr lang="en-US" smtClean="0"/>
-              <a:t>3/31/25</a:t>
+              <a:t>4/3/25</a:t>
             </a:fld>
             <a:endParaRPr lang="en-US"/>
           </a:p>
@@ -2022,7 +2022,7 @@
           <a:p>
             <a:fld id="{42B8B0BE-C8D7-EB48-AD68-71DB5002F24B}" type="datetimeFigureOut">
               <a:rPr lang="en-US" smtClean="0"/>
-              <a:t>3/31/25</a:t>
+              <a:t>4/3/25</a:t>
             </a:fld>
             <a:endParaRPr lang="en-US"/>
           </a:p>
@@ -2190,7 +2190,7 @@
           <a:p>
             <a:fld id="{42B8B0BE-C8D7-EB48-AD68-71DB5002F24B}" type="datetimeFigureOut">
               <a:rPr lang="en-US" smtClean="0"/>
-              <a:t>3/31/25</a:t>
+              <a:t>4/3/25</a:t>
             </a:fld>
             <a:endParaRPr lang="en-US"/>
           </a:p>
@@ -2368,7 +2368,7 @@
           <a:p>
             <a:fld id="{42B8B0BE-C8D7-EB48-AD68-71DB5002F24B}" type="datetimeFigureOut">
               <a:rPr lang="en-US" smtClean="0"/>
-              <a:t>3/31/25</a:t>
+              <a:t>4/3/25</a:t>
             </a:fld>
             <a:endParaRPr lang="en-US"/>
           </a:p>
@@ -2536,7 +2536,7 @@
           <a:p>
             <a:fld id="{42B8B0BE-C8D7-EB48-AD68-71DB5002F24B}" type="datetimeFigureOut">
               <a:rPr lang="en-US" smtClean="0"/>
-              <a:t>3/31/25</a:t>
+              <a:t>4/3/25</a:t>
             </a:fld>
             <a:endParaRPr lang="en-US"/>
           </a:p>
@@ -2781,7 +2781,7 @@
           <a:p>
             <a:fld id="{42B8B0BE-C8D7-EB48-AD68-71DB5002F24B}" type="datetimeFigureOut">
               <a:rPr lang="en-US" smtClean="0"/>
-              <a:t>3/31/25</a:t>
+              <a:t>4/3/25</a:t>
             </a:fld>
             <a:endParaRPr lang="en-US"/>
           </a:p>
@@ -3066,7 +3066,7 @@
           <a:p>
             <a:fld id="{42B8B0BE-C8D7-EB48-AD68-71DB5002F24B}" type="datetimeFigureOut">
               <a:rPr lang="en-US" smtClean="0"/>
-              <a:t>3/31/25</a:t>
+              <a:t>4/3/25</a:t>
             </a:fld>
             <a:endParaRPr lang="en-US"/>
           </a:p>
@@ -3485,7 +3485,7 @@
           <a:p>
             <a:fld id="{42B8B0BE-C8D7-EB48-AD68-71DB5002F24B}" type="datetimeFigureOut">
               <a:rPr lang="en-US" smtClean="0"/>
-              <a:t>3/31/25</a:t>
+              <a:t>4/3/25</a:t>
             </a:fld>
             <a:endParaRPr lang="en-US"/>
           </a:p>
@@ -3602,7 +3602,7 @@
           <a:p>
             <a:fld id="{42B8B0BE-C8D7-EB48-AD68-71DB5002F24B}" type="datetimeFigureOut">
               <a:rPr lang="en-US" smtClean="0"/>
-              <a:t>3/31/25</a:t>
+              <a:t>4/3/25</a:t>
             </a:fld>
             <a:endParaRPr lang="en-US"/>
           </a:p>
@@ -3697,7 +3697,7 @@
           <a:p>
             <a:fld id="{42B8B0BE-C8D7-EB48-AD68-71DB5002F24B}" type="datetimeFigureOut">
               <a:rPr lang="en-US" smtClean="0"/>
-              <a:t>3/31/25</a:t>
+              <a:t>4/3/25</a:t>
             </a:fld>
             <a:endParaRPr lang="en-US"/>
           </a:p>
@@ -3972,7 +3972,7 @@
           <a:p>
             <a:fld id="{42B8B0BE-C8D7-EB48-AD68-71DB5002F24B}" type="datetimeFigureOut">
               <a:rPr lang="en-US" smtClean="0"/>
-              <a:t>3/31/25</a:t>
+              <a:t>4/3/25</a:t>
             </a:fld>
             <a:endParaRPr lang="en-US"/>
           </a:p>
@@ -4224,7 +4224,7 @@
           <a:p>
             <a:fld id="{42B8B0BE-C8D7-EB48-AD68-71DB5002F24B}" type="datetimeFigureOut">
               <a:rPr lang="en-US" smtClean="0"/>
-              <a:t>3/31/25</a:t>
+              <a:t>4/3/25</a:t>
             </a:fld>
             <a:endParaRPr lang="en-US"/>
           </a:p>
@@ -4435,7 +4435,7 @@
           <a:p>
             <a:fld id="{42B8B0BE-C8D7-EB48-AD68-71DB5002F24B}" type="datetimeFigureOut">
               <a:rPr lang="en-US" smtClean="0"/>
-              <a:t>3/31/25</a:t>
+              <a:t>4/3/25</a:t>
             </a:fld>
             <a:endParaRPr lang="en-US"/>
           </a:p>
@@ -5639,6 +5639,45 @@
           </a:p>
         </p:txBody>
       </p:sp>
+      <p:sp>
+        <p:nvSpPr>
+          <p:cNvPr id="3" name="TextBox 2">
+            <a:extLst>
+              <a:ext uri="{FF2B5EF4-FFF2-40B4-BE49-F238E27FC236}">
+                <a16:creationId xmlns:a16="http://schemas.microsoft.com/office/drawing/2014/main" id="{D611423E-62C9-A3E2-B6AB-D4750E917A8F}"/>
+              </a:ext>
+            </a:extLst>
+          </p:cNvPr>
+          <p:cNvSpPr txBox="1"/>
+          <p:nvPr/>
+        </p:nvSpPr>
+        <p:spPr>
+          <a:xfrm>
+            <a:off x="5638498" y="2530396"/>
+            <a:ext cx="3385157" cy="523220"/>
+          </a:xfrm>
+          <a:prstGeom prst="rect">
+            <a:avLst/>
+          </a:prstGeom>
+          <a:noFill/>
+        </p:spPr>
+        <p:txBody>
+          <a:bodyPr wrap="none" rtlCol="0">
+            <a:spAutoFit/>
+          </a:bodyPr>
+          <a:lstStyle/>
+          <a:p>
+            <a:r>
+              <a:rPr lang="en-US" sz="2800" dirty="0">
+                <a:solidFill>
+                  <a:srgbClr val="FF0000"/>
+                </a:solidFill>
+              </a:rPr>
+              <a:t>In directory "variants"</a:t>
+            </a:r>
+          </a:p>
+        </p:txBody>
+      </p:sp>
     </p:spTree>
     <p:extLst>
       <p:ext uri="{BB962C8B-B14F-4D97-AF65-F5344CB8AC3E}">
@@ -8831,7 +8870,7 @@
         <p:spPr>
           <a:xfrm>
             <a:off x="724612" y="1834830"/>
-            <a:ext cx="8044919" cy="890953"/>
+            <a:ext cx="8044919" cy="1422176"/>
           </a:xfrm>
           <a:ln>
             <a:solidFill>
@@ -8857,6 +8896,18 @@
                 <a:cs typeface="Courier New"/>
               </a:rPr>
               <a:t>### indexing the reference</a:t>
+            </a:r>
+          </a:p>
+          <a:p>
+            <a:pPr marL="0" indent="0">
+              <a:buNone/>
+            </a:pPr>
+            <a:r>
+              <a:rPr lang="en-US" dirty="0">
+                <a:latin typeface="Courier New"/>
+                <a:cs typeface="Courier New"/>
+              </a:rPr>
+              <a:t>module load BWA</a:t>
             </a:r>
           </a:p>
           <a:p>
